--- a/norway radio wave data/3_October.pptx
+++ b/norway radio wave data/3_October.pptx
@@ -19,12 +19,10 @@
     <p:sldId id="268" r:id="rId13"/>
     <p:sldId id="270" r:id="rId14"/>
     <p:sldId id="271" r:id="rId15"/>
-    <p:sldId id="273" r:id="rId16"/>
-    <p:sldId id="274" r:id="rId17"/>
-    <p:sldId id="275" r:id="rId18"/>
-    <p:sldId id="276" r:id="rId19"/>
-    <p:sldId id="269" r:id="rId20"/>
-    <p:sldId id="277" r:id="rId21"/>
+    <p:sldId id="275" r:id="rId16"/>
+    <p:sldId id="276" r:id="rId17"/>
+    <p:sldId id="269" r:id="rId18"/>
+    <p:sldId id="277" r:id="rId19"/>
   </p:sldIdLst>
   <p:sldSz cx="12192000" cy="6858000"/>
   <p:notesSz cx="6858000" cy="9144000"/>
@@ -264,7 +262,7 @@
           <a:p>
             <a:fld id="{023CB8B7-8B2E-4386-A84D-ADE01789BF3D}" type="datetimeFigureOut">
               <a:rPr lang="en-IN" smtClean="0"/>
-              <a:t>02-10-2020</a:t>
+              <a:t>03-10-2020</a:t>
             </a:fld>
             <a:endParaRPr lang="en-IN"/>
           </a:p>
@@ -551,7 +549,7 @@
           <a:p>
             <a:fld id="{023CB8B7-8B2E-4386-A84D-ADE01789BF3D}" type="datetimeFigureOut">
               <a:rPr lang="en-IN" smtClean="0"/>
-              <a:t>02-10-2020</a:t>
+              <a:t>03-10-2020</a:t>
             </a:fld>
             <a:endParaRPr lang="en-IN"/>
           </a:p>
@@ -743,7 +741,7 @@
           <a:p>
             <a:fld id="{023CB8B7-8B2E-4386-A84D-ADE01789BF3D}" type="datetimeFigureOut">
               <a:rPr lang="en-IN" smtClean="0"/>
-              <a:t>02-10-2020</a:t>
+              <a:t>03-10-2020</a:t>
             </a:fld>
             <a:endParaRPr lang="en-IN"/>
           </a:p>
@@ -1004,7 +1002,7 @@
           <a:p>
             <a:fld id="{023CB8B7-8B2E-4386-A84D-ADE01789BF3D}" type="datetimeFigureOut">
               <a:rPr lang="en-IN" smtClean="0"/>
-              <a:t>02-10-2020</a:t>
+              <a:t>03-10-2020</a:t>
             </a:fld>
             <a:endParaRPr lang="en-IN"/>
           </a:p>
@@ -1428,7 +1426,7 @@
           <a:p>
             <a:fld id="{023CB8B7-8B2E-4386-A84D-ADE01789BF3D}" type="datetimeFigureOut">
               <a:rPr lang="en-IN" smtClean="0"/>
-              <a:t>02-10-2020</a:t>
+              <a:t>03-10-2020</a:t>
             </a:fld>
             <a:endParaRPr lang="en-IN"/>
           </a:p>
@@ -1974,7 +1972,7 @@
           <a:p>
             <a:fld id="{023CB8B7-8B2E-4386-A84D-ADE01789BF3D}" type="datetimeFigureOut">
               <a:rPr lang="en-IN" smtClean="0"/>
-              <a:t>02-10-2020</a:t>
+              <a:t>03-10-2020</a:t>
             </a:fld>
             <a:endParaRPr lang="en-IN"/>
           </a:p>
@@ -2814,7 +2812,7 @@
           <a:p>
             <a:fld id="{023CB8B7-8B2E-4386-A84D-ADE01789BF3D}" type="datetimeFigureOut">
               <a:rPr lang="en-IN" smtClean="0"/>
-              <a:t>02-10-2020</a:t>
+              <a:t>03-10-2020</a:t>
             </a:fld>
             <a:endParaRPr lang="en-IN"/>
           </a:p>
@@ -2984,7 +2982,7 @@
           <a:p>
             <a:fld id="{023CB8B7-8B2E-4386-A84D-ADE01789BF3D}" type="datetimeFigureOut">
               <a:rPr lang="en-IN" smtClean="0"/>
-              <a:t>02-10-2020</a:t>
+              <a:t>03-10-2020</a:t>
             </a:fld>
             <a:endParaRPr lang="en-IN"/>
           </a:p>
@@ -3168,7 +3166,7 @@
           <a:p>
             <a:fld id="{023CB8B7-8B2E-4386-A84D-ADE01789BF3D}" type="datetimeFigureOut">
               <a:rPr lang="en-IN" smtClean="0"/>
-              <a:t>02-10-2020</a:t>
+              <a:t>03-10-2020</a:t>
             </a:fld>
             <a:endParaRPr lang="en-IN"/>
           </a:p>
@@ -3338,7 +3336,7 @@
           <a:p>
             <a:fld id="{023CB8B7-8B2E-4386-A84D-ADE01789BF3D}" type="datetimeFigureOut">
               <a:rPr lang="en-IN" smtClean="0"/>
-              <a:t>02-10-2020</a:t>
+              <a:t>03-10-2020</a:t>
             </a:fld>
             <a:endParaRPr lang="en-IN"/>
           </a:p>
@@ -3586,7 +3584,7 @@
           <a:p>
             <a:fld id="{023CB8B7-8B2E-4386-A84D-ADE01789BF3D}" type="datetimeFigureOut">
               <a:rPr lang="en-IN" smtClean="0"/>
-              <a:t>02-10-2020</a:t>
+              <a:t>03-10-2020</a:t>
             </a:fld>
             <a:endParaRPr lang="en-IN"/>
           </a:p>
@@ -3823,7 +3821,7 @@
           <a:p>
             <a:fld id="{023CB8B7-8B2E-4386-A84D-ADE01789BF3D}" type="datetimeFigureOut">
               <a:rPr lang="en-IN" smtClean="0"/>
-              <a:t>02-10-2020</a:t>
+              <a:t>03-10-2020</a:t>
             </a:fld>
             <a:endParaRPr lang="en-IN"/>
           </a:p>
@@ -4196,7 +4194,7 @@
           <a:p>
             <a:fld id="{023CB8B7-8B2E-4386-A84D-ADE01789BF3D}" type="datetimeFigureOut">
               <a:rPr lang="en-IN" smtClean="0"/>
-              <a:t>02-10-2020</a:t>
+              <a:t>03-10-2020</a:t>
             </a:fld>
             <a:endParaRPr lang="en-IN"/>
           </a:p>
@@ -4314,7 +4312,7 @@
           <a:p>
             <a:fld id="{023CB8B7-8B2E-4386-A84D-ADE01789BF3D}" type="datetimeFigureOut">
               <a:rPr lang="en-IN" smtClean="0"/>
-              <a:t>02-10-2020</a:t>
+              <a:t>03-10-2020</a:t>
             </a:fld>
             <a:endParaRPr lang="en-IN"/>
           </a:p>
@@ -4409,7 +4407,7 @@
           <a:p>
             <a:fld id="{023CB8B7-8B2E-4386-A84D-ADE01789BF3D}" type="datetimeFigureOut">
               <a:rPr lang="en-IN" smtClean="0"/>
-              <a:t>02-10-2020</a:t>
+              <a:t>03-10-2020</a:t>
             </a:fld>
             <a:endParaRPr lang="en-IN"/>
           </a:p>
@@ -4660,7 +4658,7 @@
           <a:p>
             <a:fld id="{023CB8B7-8B2E-4386-A84D-ADE01789BF3D}" type="datetimeFigureOut">
               <a:rPr lang="en-IN" smtClean="0"/>
-              <a:t>02-10-2020</a:t>
+              <a:t>03-10-2020</a:t>
             </a:fld>
             <a:endParaRPr lang="en-IN"/>
           </a:p>
@@ -4947,7 +4945,7 @@
           <a:p>
             <a:fld id="{023CB8B7-8B2E-4386-A84D-ADE01789BF3D}" type="datetimeFigureOut">
               <a:rPr lang="en-IN" smtClean="0"/>
-              <a:t>02-10-2020</a:t>
+              <a:t>03-10-2020</a:t>
             </a:fld>
             <a:endParaRPr lang="en-IN"/>
           </a:p>
@@ -5160,7 +5158,7 @@
           <a:p>
             <a:fld id="{023CB8B7-8B2E-4386-A84D-ADE01789BF3D}" type="datetimeFigureOut">
               <a:rPr lang="en-IN" smtClean="0"/>
-              <a:t>02-10-2020</a:t>
+              <a:t>03-10-2020</a:t>
             </a:fld>
             <a:endParaRPr lang="en-IN"/>
           </a:p>
@@ -5855,7 +5853,7 @@
           <a:p>
             <a:r>
               <a:rPr lang="en-IN" dirty="0"/>
-              <a:t>SFFT Algorithm (HANNING window function)</a:t>
+              <a:t>SFFT Algorithm (HAMMING window function)</a:t>
             </a:r>
           </a:p>
         </p:txBody>
@@ -6301,227 +6299,6 @@
           <a:p>
             <a:r>
               <a:rPr lang="en-IN" dirty="0"/>
-              <a:t>SFFT Algorithm (TAYLOR window function)</a:t>
-            </a:r>
-          </a:p>
-        </p:txBody>
-      </p:sp>
-      <p:sp>
-        <p:nvSpPr>
-          <p:cNvPr id="4" name="TextBox 3">
-            <a:extLst>
-              <a:ext uri="{FF2B5EF4-FFF2-40B4-BE49-F238E27FC236}">
-                <a16:creationId xmlns:a16="http://schemas.microsoft.com/office/drawing/2014/main" id="{9708581B-A31F-4948-A02E-7584E4863A16}"/>
-              </a:ext>
-            </a:extLst>
-          </p:cNvPr>
-          <p:cNvSpPr txBox="1"/>
-          <p:nvPr/>
-        </p:nvSpPr>
-        <p:spPr>
-          <a:xfrm>
-            <a:off x="6693763" y="6248400"/>
-            <a:ext cx="4687410" cy="369332"/>
-          </a:xfrm>
-          <a:prstGeom prst="rect">
-            <a:avLst/>
-          </a:prstGeom>
-          <a:noFill/>
-        </p:spPr>
-        <p:txBody>
-          <a:bodyPr wrap="square" rtlCol="0">
-            <a:spAutoFit/>
-          </a:bodyPr>
-          <a:lstStyle/>
-          <a:p>
-            <a:r>
-              <a:rPr lang="en-IN" dirty="0"/>
-              <a:t>Window Function on Next Slide </a:t>
-            </a:r>
-          </a:p>
-        </p:txBody>
-      </p:sp>
-      <p:pic>
-        <p:nvPicPr>
-          <p:cNvPr id="8" name="Content Placeholder 7" descr="Chart, line chart&#10;&#10;Description automatically generated">
-            <a:extLst>
-              <a:ext uri="{FF2B5EF4-FFF2-40B4-BE49-F238E27FC236}">
-                <a16:creationId xmlns:a16="http://schemas.microsoft.com/office/drawing/2014/main" id="{A241BF7F-762C-4CDC-A29D-8C7B4A640116}"/>
-              </a:ext>
-            </a:extLst>
-          </p:cNvPr>
-          <p:cNvPicPr>
-            <a:picLocks noGrp="1" noChangeAspect="1"/>
-          </p:cNvPicPr>
-          <p:nvPr>
-            <p:ph idx="1"/>
-          </p:nvPr>
-        </p:nvPicPr>
-        <p:blipFill>
-          <a:blip r:embed="rId2">
-            <a:extLst>
-              <a:ext uri="{28A0092B-C50C-407E-A947-70E740481C1C}">
-                <a14:useLocalDpi xmlns:a14="http://schemas.microsoft.com/office/drawing/2010/main" val="0"/>
-              </a:ext>
-            </a:extLst>
-          </a:blip>
-          <a:stretch>
-            <a:fillRect/>
-          </a:stretch>
-        </p:blipFill>
-        <p:spPr>
-          <a:xfrm>
-            <a:off x="2492990" y="2095500"/>
-            <a:ext cx="7196494" cy="3695700"/>
-          </a:xfrm>
-        </p:spPr>
-      </p:pic>
-    </p:spTree>
-    <p:extLst>
-      <p:ext uri="{BB962C8B-B14F-4D97-AF65-F5344CB8AC3E}">
-        <p14:creationId xmlns:p14="http://schemas.microsoft.com/office/powerpoint/2010/main" val="669058233"/>
-      </p:ext>
-    </p:extLst>
-  </p:cSld>
-  <p:clrMapOvr>
-    <a:masterClrMapping/>
-  </p:clrMapOvr>
-</p:sld>
-</file>
-
-<file path=ppt/slides/slide16.xml><?xml version="1.0" encoding="utf-8"?>
-<p:sld xmlns:a="http://schemas.openxmlformats.org/drawingml/2006/main" xmlns:r="http://schemas.openxmlformats.org/officeDocument/2006/relationships" xmlns:p="http://schemas.openxmlformats.org/presentationml/2006/main">
-  <p:cSld>
-    <p:spTree>
-      <p:nvGrpSpPr>
-        <p:cNvPr id="1" name=""/>
-        <p:cNvGrpSpPr/>
-        <p:nvPr/>
-      </p:nvGrpSpPr>
-      <p:grpSpPr>
-        <a:xfrm>
-          <a:off x="0" y="0"/>
-          <a:ext cx="0" cy="0"/>
-          <a:chOff x="0" y="0"/>
-          <a:chExt cx="0" cy="0"/>
-        </a:xfrm>
-      </p:grpSpPr>
-      <p:sp>
-        <p:nvSpPr>
-          <p:cNvPr id="2" name="Title 1">
-            <a:extLst>
-              <a:ext uri="{FF2B5EF4-FFF2-40B4-BE49-F238E27FC236}">
-                <a16:creationId xmlns:a16="http://schemas.microsoft.com/office/drawing/2014/main" id="{DFD62C68-1356-4F6A-BB98-25AEE0881D9B}"/>
-              </a:ext>
-            </a:extLst>
-          </p:cNvPr>
-          <p:cNvSpPr>
-            <a:spLocks noGrp="1"/>
-          </p:cNvSpPr>
-          <p:nvPr>
-            <p:ph type="title"/>
-          </p:nvPr>
-        </p:nvSpPr>
-        <p:spPr/>
-        <p:txBody>
-          <a:bodyPr/>
-          <a:lstStyle/>
-          <a:p>
-            <a:r>
-              <a:rPr lang="en-IN" dirty="0"/>
-              <a:t>TAYLOR window function</a:t>
-            </a:r>
-          </a:p>
-        </p:txBody>
-      </p:sp>
-      <p:pic>
-        <p:nvPicPr>
-          <p:cNvPr id="7" name="Content Placeholder 6" descr="Chart, bar chart, histogram&#10;&#10;Description automatically generated">
-            <a:extLst>
-              <a:ext uri="{FF2B5EF4-FFF2-40B4-BE49-F238E27FC236}">
-                <a16:creationId xmlns:a16="http://schemas.microsoft.com/office/drawing/2014/main" id="{ACF4C359-7B72-43B4-9F03-B0A67A7C3B0C}"/>
-              </a:ext>
-            </a:extLst>
-          </p:cNvPr>
-          <p:cNvPicPr>
-            <a:picLocks noGrp="1" noChangeAspect="1"/>
-          </p:cNvPicPr>
-          <p:nvPr>
-            <p:ph idx="1"/>
-          </p:nvPr>
-        </p:nvPicPr>
-        <p:blipFill>
-          <a:blip r:embed="rId2">
-            <a:extLst>
-              <a:ext uri="{28A0092B-C50C-407E-A947-70E740481C1C}">
-                <a14:useLocalDpi xmlns:a14="http://schemas.microsoft.com/office/drawing/2010/main" val="0"/>
-              </a:ext>
-            </a:extLst>
-          </a:blip>
-          <a:stretch>
-            <a:fillRect/>
-          </a:stretch>
-        </p:blipFill>
-        <p:spPr>
-          <a:xfrm>
-            <a:off x="2492990" y="2104378"/>
-            <a:ext cx="7196494" cy="3695700"/>
-          </a:xfrm>
-        </p:spPr>
-      </p:pic>
-    </p:spTree>
-    <p:extLst>
-      <p:ext uri="{BB962C8B-B14F-4D97-AF65-F5344CB8AC3E}">
-        <p14:creationId xmlns:p14="http://schemas.microsoft.com/office/powerpoint/2010/main" val="2653521304"/>
-      </p:ext>
-    </p:extLst>
-  </p:cSld>
-  <p:clrMapOvr>
-    <a:masterClrMapping/>
-  </p:clrMapOvr>
-</p:sld>
-</file>
-
-<file path=ppt/slides/slide17.xml><?xml version="1.0" encoding="utf-8"?>
-<p:sld xmlns:a="http://schemas.openxmlformats.org/drawingml/2006/main" xmlns:r="http://schemas.openxmlformats.org/officeDocument/2006/relationships" xmlns:p="http://schemas.openxmlformats.org/presentationml/2006/main">
-  <p:cSld>
-    <p:spTree>
-      <p:nvGrpSpPr>
-        <p:cNvPr id="1" name=""/>
-        <p:cNvGrpSpPr/>
-        <p:nvPr/>
-      </p:nvGrpSpPr>
-      <p:grpSpPr>
-        <a:xfrm>
-          <a:off x="0" y="0"/>
-          <a:ext cx="0" cy="0"/>
-          <a:chOff x="0" y="0"/>
-          <a:chExt cx="0" cy="0"/>
-        </a:xfrm>
-      </p:grpSpPr>
-      <p:sp>
-        <p:nvSpPr>
-          <p:cNvPr id="2" name="Title 1">
-            <a:extLst>
-              <a:ext uri="{FF2B5EF4-FFF2-40B4-BE49-F238E27FC236}">
-                <a16:creationId xmlns:a16="http://schemas.microsoft.com/office/drawing/2014/main" id="{61B42B89-6F28-4391-926A-E471DEA55197}"/>
-              </a:ext>
-            </a:extLst>
-          </p:cNvPr>
-          <p:cNvSpPr>
-            <a:spLocks noGrp="1"/>
-          </p:cNvSpPr>
-          <p:nvPr>
-            <p:ph type="title"/>
-          </p:nvPr>
-        </p:nvSpPr>
-        <p:spPr/>
-        <p:txBody>
-          <a:bodyPr/>
-          <a:lstStyle/>
-          <a:p>
-            <a:r>
-              <a:rPr lang="en-IN" dirty="0"/>
               <a:t>SFFT Algorithm (KAISER window function)</a:t>
             </a:r>
           </a:p>
@@ -6610,7 +6387,7 @@
 </p:sld>
 </file>
 
-<file path=ppt/slides/slide18.xml><?xml version="1.0" encoding="utf-8"?>
+<file path=ppt/slides/slide16.xml><?xml version="1.0" encoding="utf-8"?>
 <p:sld xmlns:a="http://schemas.openxmlformats.org/drawingml/2006/main" xmlns:r="http://schemas.openxmlformats.org/officeDocument/2006/relationships" xmlns:p="http://schemas.openxmlformats.org/presentationml/2006/main">
   <p:cSld>
     <p:spTree>
@@ -6703,7 +6480,7 @@
 </p:sld>
 </file>
 
-<file path=ppt/slides/slide19.xml><?xml version="1.0" encoding="utf-8"?>
+<file path=ppt/slides/slide17.xml><?xml version="1.0" encoding="utf-8"?>
 <p:sld xmlns:a="http://schemas.openxmlformats.org/drawingml/2006/main" xmlns:r="http://schemas.openxmlformats.org/officeDocument/2006/relationships" xmlns:p="http://schemas.openxmlformats.org/presentationml/2006/main">
   <p:cSld>
     <p:spTree>
@@ -6787,6 +6564,92 @@
     <p:extLst>
       <p:ext uri="{BB962C8B-B14F-4D97-AF65-F5344CB8AC3E}">
         <p14:creationId xmlns:p14="http://schemas.microsoft.com/office/powerpoint/2010/main" val="4042677037"/>
+      </p:ext>
+    </p:extLst>
+  </p:cSld>
+  <p:clrMapOvr>
+    <a:masterClrMapping/>
+  </p:clrMapOvr>
+</p:sld>
+</file>
+
+<file path=ppt/slides/slide18.xml><?xml version="1.0" encoding="utf-8"?>
+<p:sld xmlns:a="http://schemas.openxmlformats.org/drawingml/2006/main" xmlns:r="http://schemas.openxmlformats.org/officeDocument/2006/relationships" xmlns:p="http://schemas.openxmlformats.org/presentationml/2006/main">
+  <p:cSld>
+    <p:spTree>
+      <p:nvGrpSpPr>
+        <p:cNvPr id="1" name=""/>
+        <p:cNvGrpSpPr/>
+        <p:nvPr/>
+      </p:nvGrpSpPr>
+      <p:grpSpPr>
+        <a:xfrm>
+          <a:off x="0" y="0"/>
+          <a:ext cx="0" cy="0"/>
+          <a:chOff x="0" y="0"/>
+          <a:chExt cx="0" cy="0"/>
+        </a:xfrm>
+      </p:grpSpPr>
+      <p:sp>
+        <p:nvSpPr>
+          <p:cNvPr id="2" name="Title 1">
+            <a:extLst>
+              <a:ext uri="{FF2B5EF4-FFF2-40B4-BE49-F238E27FC236}">
+                <a16:creationId xmlns:a16="http://schemas.microsoft.com/office/drawing/2014/main" id="{CBE4AB4B-2927-48F5-945B-7FAD3C51C836}"/>
+              </a:ext>
+            </a:extLst>
+          </p:cNvPr>
+          <p:cNvSpPr>
+            <a:spLocks noGrp="1"/>
+          </p:cNvSpPr>
+          <p:nvPr>
+            <p:ph type="title"/>
+          </p:nvPr>
+        </p:nvSpPr>
+        <p:spPr/>
+        <p:txBody>
+          <a:bodyPr/>
+          <a:lstStyle/>
+          <a:p>
+            <a:r>
+              <a:rPr lang="en-IN" dirty="0"/>
+              <a:t>BIGBAND</a:t>
+            </a:r>
+          </a:p>
+        </p:txBody>
+      </p:sp>
+      <p:sp>
+        <p:nvSpPr>
+          <p:cNvPr id="3" name="Text Placeholder 2">
+            <a:extLst>
+              <a:ext uri="{FF2B5EF4-FFF2-40B4-BE49-F238E27FC236}">
+                <a16:creationId xmlns:a16="http://schemas.microsoft.com/office/drawing/2014/main" id="{CBF05BDF-419A-43B5-BCB8-3141BBEECC9B}"/>
+              </a:ext>
+            </a:extLst>
+          </p:cNvPr>
+          <p:cNvSpPr>
+            <a:spLocks noGrp="1"/>
+          </p:cNvSpPr>
+          <p:nvPr>
+            <p:ph type="body" idx="1"/>
+          </p:nvPr>
+        </p:nvSpPr>
+        <p:spPr/>
+        <p:txBody>
+          <a:bodyPr/>
+          <a:lstStyle/>
+          <a:p>
+            <a:r>
+              <a:rPr lang="en-IN"/>
+              <a:t>TO BE IMPLEMENTED</a:t>
+            </a:r>
+          </a:p>
+        </p:txBody>
+      </p:sp>
+    </p:spTree>
+    <p:extLst>
+      <p:ext uri="{BB962C8B-B14F-4D97-AF65-F5344CB8AC3E}">
+        <p14:creationId xmlns:p14="http://schemas.microsoft.com/office/powerpoint/2010/main" val="1518648826"/>
       </p:ext>
     </p:extLst>
   </p:cSld>
@@ -6947,92 +6810,6 @@
     <p:extLst>
       <p:ext uri="{BB962C8B-B14F-4D97-AF65-F5344CB8AC3E}">
         <p14:creationId xmlns:p14="http://schemas.microsoft.com/office/powerpoint/2010/main" val="124785476"/>
-      </p:ext>
-    </p:extLst>
-  </p:cSld>
-  <p:clrMapOvr>
-    <a:masterClrMapping/>
-  </p:clrMapOvr>
-</p:sld>
-</file>
-
-<file path=ppt/slides/slide20.xml><?xml version="1.0" encoding="utf-8"?>
-<p:sld xmlns:a="http://schemas.openxmlformats.org/drawingml/2006/main" xmlns:r="http://schemas.openxmlformats.org/officeDocument/2006/relationships" xmlns:p="http://schemas.openxmlformats.org/presentationml/2006/main">
-  <p:cSld>
-    <p:spTree>
-      <p:nvGrpSpPr>
-        <p:cNvPr id="1" name=""/>
-        <p:cNvGrpSpPr/>
-        <p:nvPr/>
-      </p:nvGrpSpPr>
-      <p:grpSpPr>
-        <a:xfrm>
-          <a:off x="0" y="0"/>
-          <a:ext cx="0" cy="0"/>
-          <a:chOff x="0" y="0"/>
-          <a:chExt cx="0" cy="0"/>
-        </a:xfrm>
-      </p:grpSpPr>
-      <p:sp>
-        <p:nvSpPr>
-          <p:cNvPr id="2" name="Title 1">
-            <a:extLst>
-              <a:ext uri="{FF2B5EF4-FFF2-40B4-BE49-F238E27FC236}">
-                <a16:creationId xmlns:a16="http://schemas.microsoft.com/office/drawing/2014/main" id="{CBE4AB4B-2927-48F5-945B-7FAD3C51C836}"/>
-              </a:ext>
-            </a:extLst>
-          </p:cNvPr>
-          <p:cNvSpPr>
-            <a:spLocks noGrp="1"/>
-          </p:cNvSpPr>
-          <p:nvPr>
-            <p:ph type="title"/>
-          </p:nvPr>
-        </p:nvSpPr>
-        <p:spPr/>
-        <p:txBody>
-          <a:bodyPr/>
-          <a:lstStyle/>
-          <a:p>
-            <a:r>
-              <a:rPr lang="en-IN" dirty="0"/>
-              <a:t>BIGBAND</a:t>
-            </a:r>
-          </a:p>
-        </p:txBody>
-      </p:sp>
-      <p:sp>
-        <p:nvSpPr>
-          <p:cNvPr id="3" name="Text Placeholder 2">
-            <a:extLst>
-              <a:ext uri="{FF2B5EF4-FFF2-40B4-BE49-F238E27FC236}">
-                <a16:creationId xmlns:a16="http://schemas.microsoft.com/office/drawing/2014/main" id="{CBF05BDF-419A-43B5-BCB8-3141BBEECC9B}"/>
-              </a:ext>
-            </a:extLst>
-          </p:cNvPr>
-          <p:cNvSpPr>
-            <a:spLocks noGrp="1"/>
-          </p:cNvSpPr>
-          <p:nvPr>
-            <p:ph type="body" idx="1"/>
-          </p:nvPr>
-        </p:nvSpPr>
-        <p:spPr/>
-        <p:txBody>
-          <a:bodyPr/>
-          <a:lstStyle/>
-          <a:p>
-            <a:r>
-              <a:rPr lang="en-IN"/>
-              <a:t>TO BE IMPLEMENTED</a:t>
-            </a:r>
-          </a:p>
-        </p:txBody>
-      </p:sp>
-    </p:spTree>
-    <p:extLst>
-      <p:ext uri="{BB962C8B-B14F-4D97-AF65-F5344CB8AC3E}">
-        <p14:creationId xmlns:p14="http://schemas.microsoft.com/office/powerpoint/2010/main" val="1518648826"/>
       </p:ext>
     </p:extLst>
   </p:cSld>
@@ -7552,7 +7329,7 @@
         </p:blipFill>
         <p:spPr>
           <a:xfrm>
-            <a:off x="1859403" y="1816747"/>
+            <a:off x="1859403" y="1798991"/>
             <a:ext cx="8473193" cy="4351338"/>
           </a:xfrm>
         </p:spPr>
